--- a/20160423-docker-monitoring/keynote.pptx
+++ b/20160423-docker-monitoring/keynote.pptx
@@ -3057,11 +3057,15 @@
         </p:spPr>
         <p:txBody>
           <a:bodyPr/>
-          <a:lstStyle/>
-          <a:p>
-            <a:pPr/>
-            <a:r>
-              <a:t>如何选择Docker监控</a:t>
+          <a:lstStyle>
+            <a:lvl1pPr defTabSz="525779">
+              <a:defRPr sz="7200"/>
+            </a:lvl1pPr>
+          </a:lstStyle>
+          <a:p>
+            <a:pPr/>
+            <a:r>
+              <a:t>如何选择Docker监控方案</a:t>
             </a:r>
           </a:p>
         </p:txBody>
@@ -3099,7 +3103,7 @@
               <a:defRPr sz="3008"/>
             </a:pPr>
             <a:r>
-              <a:t>2016/4/24</a:t>
+              <a:t>2016/4/23</a:t>
             </a:r>
           </a:p>
         </p:txBody>
@@ -3178,7 +3182,7 @@
           <a:p>
             <a:pPr/>
             <a:r>
-              <a:t>Docker监控内容</a:t>
+              <a:t>Docker监控指标项目</a:t>
             </a:r>
           </a:p>
         </p:txBody>
@@ -3735,7 +3739,7 @@
         <p:spPr>
           <a:xfrm>
             <a:off x="952500" y="88900"/>
-            <a:ext cx="11099800" cy="2159000"/>
+            <a:ext cx="11099800" cy="982117"/>
           </a:xfrm>
           <a:prstGeom prst="rect">
             <a:avLst/>
@@ -3743,11 +3747,15 @@
         </p:spPr>
         <p:txBody>
           <a:bodyPr/>
-          <a:lstStyle/>
-          <a:p>
-            <a:pPr/>
-            <a:r>
-              <a:t>Memory</a:t>
+          <a:lstStyle>
+            <a:lvl1pPr defTabSz="420624">
+              <a:defRPr sz="5760"/>
+            </a:lvl1pPr>
+          </a:lstStyle>
+          <a:p>
+            <a:pPr/>
+            <a:r>
+              <a:t>Memory指标含义</a:t>
             </a:r>
           </a:p>
         </p:txBody>
@@ -3770,7 +3778,7 @@
         </p:blipFill>
         <p:spPr>
           <a:xfrm>
-            <a:off x="1200150" y="1822450"/>
+            <a:off x="1200150" y="1174750"/>
             <a:ext cx="10401300" cy="7835900"/>
           </a:xfrm>
           <a:prstGeom prst="rect">
@@ -3781,6 +3789,42 @@
           </a:ln>
         </p:spPr>
       </p:pic>
+      <p:sp>
+        <p:nvSpPr>
+          <p:cNvPr id="169" name="Shape 169"/>
+          <p:cNvSpPr/>
+          <p:nvPr/>
+        </p:nvSpPr>
+        <p:spPr>
+          <a:xfrm>
+            <a:off x="254253" y="9114383"/>
+            <a:ext cx="11937493" cy="647701"/>
+          </a:xfrm>
+          <a:prstGeom prst="rect">
+            <a:avLst/>
+          </a:prstGeom>
+          <a:ln w="12700">
+            <a:miter lim="400000"/>
+          </a:ln>
+          <a:extLst>
+            <a:ext uri="{C572A759-6A51-4108-AA02-DFA0A04FC94B}">
+              <ma14:wrappingTextBoxFlag xmlns:ma14="http://schemas.microsoft.com/office/mac/drawingml/2011/main" val="1"/>
+            </a:ext>
+          </a:extLst>
+        </p:spPr>
+        <p:txBody>
+          <a:bodyPr wrap="none" lIns="50800" tIns="50800" rIns="50800" bIns="50800" anchor="ctr">
+            <a:spAutoFit/>
+          </a:bodyPr>
+          <a:lstStyle/>
+          <a:p>
+            <a:pPr/>
+            <a:r>
+              <a:t>http://docs-ci.oneapm.com/services_example/docker.html</a:t>
+            </a:r>
+          </a:p>
+        </p:txBody>
+      </p:sp>
     </p:spTree>
   </p:cSld>
   <p:clrMapOvr>
@@ -3809,7 +3853,7 @@
       </p:grpSpPr>
       <p:sp>
         <p:nvSpPr>
-          <p:cNvPr id="170" name="Shape 170"/>
+          <p:cNvPr id="171" name="Shape 171"/>
           <p:cNvSpPr/>
           <p:nvPr>
             <p:ph type="title"/>
@@ -3833,7 +3877,7 @@
       </p:sp>
       <p:sp>
         <p:nvSpPr>
-          <p:cNvPr id="171" name="Shape 171"/>
+          <p:cNvPr id="172" name="Shape 172"/>
           <p:cNvSpPr/>
           <p:nvPr>
             <p:ph type="body" idx="1"/>
@@ -3895,7 +3939,7 @@
       </p:grpSpPr>
       <p:sp>
         <p:nvSpPr>
-          <p:cNvPr id="173" name="Shape 173"/>
+          <p:cNvPr id="174" name="Shape 174"/>
           <p:cNvSpPr/>
           <p:nvPr>
             <p:ph type="title"/>
@@ -3919,7 +3963,7 @@
       </p:sp>
       <p:sp>
         <p:nvSpPr>
-          <p:cNvPr id="174" name="Shape 174"/>
+          <p:cNvPr id="175" name="Shape 175"/>
           <p:cNvSpPr/>
           <p:nvPr>
             <p:ph type="body" idx="1"/>
@@ -3987,7 +4031,7 @@
       </p:grpSpPr>
       <p:sp>
         <p:nvSpPr>
-          <p:cNvPr id="176" name="Shape 176"/>
+          <p:cNvPr id="177" name="Shape 177"/>
           <p:cNvSpPr/>
           <p:nvPr>
             <p:ph type="title"/>
@@ -4011,7 +4055,7 @@
       </p:sp>
       <p:sp>
         <p:nvSpPr>
-          <p:cNvPr id="177" name="Shape 177"/>
+          <p:cNvPr id="178" name="Shape 178"/>
           <p:cNvSpPr/>
           <p:nvPr>
             <p:ph type="body" idx="1"/>
@@ -4028,19 +4072,19 @@
           <a:p>
             <a:pPr/>
             <a:r>
+              <a:t>iptables</a:t>
+            </a:r>
+          </a:p>
+          <a:p>
+            <a:pPr/>
+            <a:r>
+              <a:t>网络设备接口</a:t>
+            </a:r>
+          </a:p>
+          <a:p>
+            <a:pPr/>
+            <a:r>
               <a:t>伪文件系统</a:t>
-            </a:r>
-          </a:p>
-          <a:p>
-            <a:pPr/>
-            <a:r>
-              <a:t>iptables</a:t>
-            </a:r>
-          </a:p>
-          <a:p>
-            <a:pPr/>
-            <a:r>
-              <a:t>网络设备接口</a:t>
             </a:r>
           </a:p>
         </p:txBody>
@@ -4192,7 +4236,7 @@
       </p:grpSpPr>
       <p:sp>
         <p:nvSpPr>
-          <p:cNvPr id="179" name="Shape 179"/>
+          <p:cNvPr id="180" name="Shape 180"/>
           <p:cNvSpPr/>
           <p:nvPr>
             <p:ph type="title"/>
@@ -4216,7 +4260,7 @@
       </p:sp>
       <p:sp>
         <p:nvSpPr>
-          <p:cNvPr id="180" name="Shape 180"/>
+          <p:cNvPr id="181" name="Shape 181"/>
           <p:cNvSpPr/>
           <p:nvPr>
             <p:ph type="body" idx="1"/>
@@ -4300,13 +4344,17 @@
       </p:grpSpPr>
       <p:sp>
         <p:nvSpPr>
-          <p:cNvPr id="182" name="Shape 182"/>
+          <p:cNvPr id="183" name="Shape 183"/>
           <p:cNvSpPr/>
           <p:nvPr>
             <p:ph type="title"/>
           </p:nvPr>
         </p:nvSpPr>
         <p:spPr>
+          <a:xfrm>
+            <a:off x="547588" y="152400"/>
+            <a:ext cx="11909624" cy="2159000"/>
+          </a:xfrm>
           <a:prstGeom prst="rect">
             <a:avLst/>
           </a:prstGeom>
@@ -4314,21 +4362,21 @@
         <p:txBody>
           <a:bodyPr/>
           <a:lstStyle>
-            <a:lvl1pPr defTabSz="461518">
-              <a:defRPr sz="6320"/>
+            <a:lvl1pPr defTabSz="408940">
+              <a:defRPr sz="5600"/>
             </a:lvl1pPr>
           </a:lstStyle>
           <a:p>
             <a:pPr/>
             <a:r>
-              <a:t>Docker容器网络信息-文件系统</a:t>
-            </a:r>
-          </a:p>
-        </p:txBody>
-      </p:sp>
-      <p:sp>
-        <p:nvSpPr>
-          <p:cNvPr id="183" name="Shape 183"/>
+              <a:t>Docker容器网络信息-net namespace</a:t>
+            </a:r>
+          </a:p>
+        </p:txBody>
+      </p:sp>
+      <p:sp>
+        <p:nvSpPr>
+          <p:cNvPr id="184" name="Shape 184"/>
           <p:cNvSpPr/>
           <p:nvPr>
             <p:ph type="body" idx="1"/>
@@ -4384,7 +4432,7 @@
       </p:grpSpPr>
       <p:sp>
         <p:nvSpPr>
-          <p:cNvPr id="185" name="Shape 185"/>
+          <p:cNvPr id="186" name="Shape 186"/>
           <p:cNvSpPr/>
           <p:nvPr>
             <p:ph type="title"/>
@@ -4412,7 +4460,7 @@
       </p:sp>
       <p:sp>
         <p:nvSpPr>
-          <p:cNvPr id="186" name="Shape 186"/>
+          <p:cNvPr id="187" name="Shape 187"/>
           <p:cNvSpPr/>
           <p:nvPr>
             <p:ph type="body" idx="1"/>
@@ -4567,7 +4615,7 @@
       </p:grpSpPr>
       <p:sp>
         <p:nvSpPr>
-          <p:cNvPr id="188" name="Shape 188"/>
+          <p:cNvPr id="189" name="Shape 189"/>
           <p:cNvSpPr/>
           <p:nvPr>
             <p:ph type="title"/>
@@ -4595,7 +4643,7 @@
       </p:sp>
       <p:pic>
         <p:nvPicPr>
-          <p:cNvPr id="189" name="docker-net-1.png"/>
+          <p:cNvPr id="190" name="docker-net-1.png"/>
           <p:cNvPicPr>
             <a:picLocks noChangeAspect="1"/>
           </p:cNvPicPr>
@@ -4650,7 +4698,7 @@
       </p:grpSpPr>
       <p:sp>
         <p:nvSpPr>
-          <p:cNvPr id="191" name="Shape 191"/>
+          <p:cNvPr id="192" name="Shape 192"/>
           <p:cNvSpPr/>
           <p:nvPr>
             <p:ph type="title"/>
@@ -4678,7 +4726,7 @@
       </p:sp>
       <p:pic>
         <p:nvPicPr>
-          <p:cNvPr id="192" name="docker-net-2.png"/>
+          <p:cNvPr id="193" name="docker-net-2.png"/>
           <p:cNvPicPr>
             <a:picLocks noChangeAspect="1"/>
           </p:cNvPicPr>
@@ -4733,7 +4781,7 @@
       </p:grpSpPr>
       <p:sp>
         <p:nvSpPr>
-          <p:cNvPr id="194" name="Shape 194"/>
+          <p:cNvPr id="195" name="Shape 195"/>
           <p:cNvSpPr/>
           <p:nvPr>
             <p:ph type="title"/>
@@ -4761,7 +4809,7 @@
       </p:sp>
       <p:pic>
         <p:nvPicPr>
-          <p:cNvPr id="195" name="docker-net-3.png"/>
+          <p:cNvPr id="196" name="docker-net-3.png"/>
           <p:cNvPicPr>
             <a:picLocks noChangeAspect="1"/>
           </p:cNvPicPr>
@@ -4816,7 +4864,7 @@
       </p:grpSpPr>
       <p:sp>
         <p:nvSpPr>
-          <p:cNvPr id="197" name="Shape 197"/>
+          <p:cNvPr id="198" name="Shape 198"/>
           <p:cNvSpPr/>
           <p:nvPr>
             <p:ph type="title"/>
@@ -4840,7 +4888,7 @@
       </p:sp>
       <p:sp>
         <p:nvSpPr>
-          <p:cNvPr id="198" name="Shape 198"/>
+          <p:cNvPr id="199" name="Shape 199"/>
           <p:cNvSpPr/>
           <p:nvPr>
             <p:ph type="body" idx="1"/>
@@ -4902,7 +4950,7 @@
       </p:grpSpPr>
       <p:sp>
         <p:nvSpPr>
-          <p:cNvPr id="200" name="Shape 200"/>
+          <p:cNvPr id="201" name="Shape 201"/>
           <p:cNvSpPr/>
           <p:nvPr>
             <p:ph type="title"/>
@@ -4926,7 +4974,7 @@
       </p:sp>
       <p:sp>
         <p:nvSpPr>
-          <p:cNvPr id="201" name="Shape 201"/>
+          <p:cNvPr id="202" name="Shape 202"/>
           <p:cNvSpPr/>
           <p:nvPr>
             <p:ph type="body" idx="1"/>
@@ -4988,7 +5036,7 @@
       </p:grpSpPr>
       <p:sp>
         <p:nvSpPr>
-          <p:cNvPr id="203" name="Shape 203"/>
+          <p:cNvPr id="204" name="Shape 204"/>
           <p:cNvSpPr/>
           <p:nvPr>
             <p:ph type="title"/>
@@ -5012,7 +5060,7 @@
       </p:sp>
       <p:sp>
         <p:nvSpPr>
-          <p:cNvPr id="204" name="Shape 204"/>
+          <p:cNvPr id="205" name="Shape 205"/>
           <p:cNvSpPr/>
           <p:nvPr>
             <p:ph type="body" idx="1"/>
@@ -5068,7 +5116,7 @@
       </p:grpSpPr>
       <p:sp>
         <p:nvSpPr>
-          <p:cNvPr id="206" name="Shape 206"/>
+          <p:cNvPr id="207" name="Shape 207"/>
           <p:cNvSpPr/>
           <p:nvPr>
             <p:ph type="title"/>
@@ -5092,7 +5140,7 @@
       </p:sp>
       <p:sp>
         <p:nvSpPr>
-          <p:cNvPr id="207" name="Shape 207"/>
+          <p:cNvPr id="208" name="Shape 208"/>
           <p:cNvSpPr/>
           <p:nvPr>
             <p:ph type="body" idx="1"/>
@@ -5246,7 +5294,7 @@
       </p:grpSpPr>
       <p:sp>
         <p:nvSpPr>
-          <p:cNvPr id="209" name="Shape 209"/>
+          <p:cNvPr id="210" name="Shape 210"/>
           <p:cNvSpPr/>
           <p:nvPr>
             <p:ph type="title"/>
@@ -5270,7 +5318,7 @@
       </p:sp>
       <p:sp>
         <p:nvSpPr>
-          <p:cNvPr id="210" name="Shape 210"/>
+          <p:cNvPr id="211" name="Shape 211"/>
           <p:cNvSpPr/>
           <p:nvPr>
             <p:ph type="body" idx="1"/>
@@ -5332,7 +5380,7 @@
       </p:grpSpPr>
       <p:sp>
         <p:nvSpPr>
-          <p:cNvPr id="212" name="Shape 212"/>
+          <p:cNvPr id="213" name="Shape 213"/>
           <p:cNvSpPr/>
           <p:nvPr>
             <p:ph type="title"/>
@@ -5356,7 +5404,7 @@
       </p:sp>
       <p:sp>
         <p:nvSpPr>
-          <p:cNvPr id="213" name="Shape 213"/>
+          <p:cNvPr id="214" name="Shape 214"/>
           <p:cNvSpPr/>
           <p:nvPr>
             <p:ph type="body" idx="1"/>
@@ -5436,7 +5484,7 @@
       </p:grpSpPr>
       <p:sp>
         <p:nvSpPr>
-          <p:cNvPr id="215" name="Shape 215"/>
+          <p:cNvPr id="216" name="Shape 216"/>
           <p:cNvSpPr/>
           <p:nvPr>
             <p:ph type="title"/>
@@ -5460,7 +5508,7 @@
       </p:sp>
       <p:sp>
         <p:nvSpPr>
-          <p:cNvPr id="216" name="Shape 216"/>
+          <p:cNvPr id="217" name="Shape 217"/>
           <p:cNvSpPr/>
           <p:nvPr>
             <p:ph type="body" idx="1"/>
@@ -5522,7 +5570,7 @@
       </p:grpSpPr>
       <p:sp>
         <p:nvSpPr>
-          <p:cNvPr id="218" name="Shape 218"/>
+          <p:cNvPr id="219" name="Shape 219"/>
           <p:cNvSpPr/>
           <p:nvPr>
             <p:ph type="title"/>
@@ -5546,7 +5594,7 @@
       </p:sp>
       <p:sp>
         <p:nvSpPr>
-          <p:cNvPr id="219" name="Shape 219"/>
+          <p:cNvPr id="220" name="Shape 220"/>
           <p:cNvSpPr/>
           <p:nvPr>
             <p:ph type="body" idx="1"/>
@@ -5602,7 +5650,7 @@
       </p:grpSpPr>
       <p:sp>
         <p:nvSpPr>
-          <p:cNvPr id="221" name="Shape 221"/>
+          <p:cNvPr id="222" name="Shape 222"/>
           <p:cNvSpPr/>
           <p:nvPr>
             <p:ph type="title"/>
@@ -5626,7 +5674,7 @@
       </p:sp>
       <p:sp>
         <p:nvSpPr>
-          <p:cNvPr id="222" name="Shape 222"/>
+          <p:cNvPr id="223" name="Shape 223"/>
           <p:cNvSpPr/>
           <p:nvPr>
             <p:ph type="body" idx="1"/>
@@ -5694,7 +5742,7 @@
       </p:grpSpPr>
       <p:sp>
         <p:nvSpPr>
-          <p:cNvPr id="224" name="Shape 224"/>
+          <p:cNvPr id="225" name="Shape 225"/>
           <p:cNvSpPr/>
           <p:nvPr>
             <p:ph type="title"/>
@@ -5722,7 +5770,7 @@
       </p:sp>
       <p:pic>
         <p:nvPicPr>
-          <p:cNvPr id="225" name="cadvisor.png"/>
+          <p:cNvPr id="226" name="cadvisor.png"/>
           <p:cNvPicPr>
             <a:picLocks noChangeAspect="1"/>
           </p:cNvPicPr>
@@ -5751,7 +5799,7 @@
       </p:pic>
       <p:pic>
         <p:nvPicPr>
-          <p:cNvPr id="226" name="start-cadvisor.png"/>
+          <p:cNvPr id="227" name="start-cadvisor.png"/>
           <p:cNvPicPr>
             <a:picLocks noChangeAspect="1"/>
           </p:cNvPicPr>
@@ -5806,7 +5854,7 @@
       </p:grpSpPr>
       <p:sp>
         <p:nvSpPr>
-          <p:cNvPr id="228" name="Shape 228"/>
+          <p:cNvPr id="229" name="Shape 229"/>
           <p:cNvSpPr/>
           <p:nvPr>
             <p:ph type="title"/>
@@ -5830,7 +5878,7 @@
       </p:sp>
       <p:sp>
         <p:nvSpPr>
-          <p:cNvPr id="229" name="Shape 229"/>
+          <p:cNvPr id="230" name="Shape 230"/>
           <p:cNvSpPr/>
           <p:nvPr>
             <p:ph type="body" idx="1"/>
@@ -5904,7 +5952,7 @@
       </p:grpSpPr>
       <p:sp>
         <p:nvSpPr>
-          <p:cNvPr id="231" name="Shape 231"/>
+          <p:cNvPr id="232" name="Shape 232"/>
           <p:cNvSpPr/>
           <p:nvPr>
             <p:ph type="title"/>
@@ -5928,7 +5976,7 @@
       </p:sp>
       <p:sp>
         <p:nvSpPr>
-          <p:cNvPr id="232" name="Shape 232"/>
+          <p:cNvPr id="233" name="Shape 233"/>
           <p:cNvSpPr/>
           <p:nvPr>
             <p:ph type="body" idx="1"/>
@@ -6038,7 +6086,7 @@
       </p:grpSpPr>
       <p:sp>
         <p:nvSpPr>
-          <p:cNvPr id="234" name="Shape 234"/>
+          <p:cNvPr id="235" name="Shape 235"/>
           <p:cNvSpPr/>
           <p:nvPr>
             <p:ph type="title"/>
@@ -6062,7 +6110,7 @@
       </p:sp>
       <p:sp>
         <p:nvSpPr>
-          <p:cNvPr id="235" name="Shape 235"/>
+          <p:cNvPr id="236" name="Shape 236"/>
           <p:cNvSpPr/>
           <p:nvPr>
             <p:ph type="body" idx="1"/>
@@ -6172,7 +6220,7 @@
       </p:grpSpPr>
       <p:sp>
         <p:nvSpPr>
-          <p:cNvPr id="237" name="Shape 237"/>
+          <p:cNvPr id="238" name="Shape 238"/>
           <p:cNvSpPr/>
           <p:nvPr>
             <p:ph type="title"/>
@@ -6196,7 +6244,7 @@
       </p:sp>
       <p:sp>
         <p:nvSpPr>
-          <p:cNvPr id="238" name="Shape 238"/>
+          <p:cNvPr id="239" name="Shape 239"/>
           <p:cNvSpPr/>
           <p:nvPr>
             <p:ph type="body" sz="half" idx="1"/>
@@ -6236,7 +6284,7 @@
       </p:sp>
       <p:pic>
         <p:nvPicPr>
-          <p:cNvPr id="239" name="grafana.png"/>
+          <p:cNvPr id="240" name="grafana.png"/>
           <p:cNvPicPr>
             <a:picLocks noChangeAspect="1"/>
           </p:cNvPicPr>
@@ -6338,7 +6386,7 @@
           <a:p>
             <a:pPr/>
             <a:r>
-              <a:t>炸药桶</a:t>
+              <a:t>抱着炸药桶睡觉</a:t>
             </a:r>
           </a:p>
         </p:txBody>
@@ -6371,7 +6419,7 @@
       </p:grpSpPr>
       <p:sp>
         <p:nvSpPr>
-          <p:cNvPr id="241" name="Shape 241"/>
+          <p:cNvPr id="242" name="Shape 242"/>
           <p:cNvSpPr/>
           <p:nvPr>
             <p:ph type="title"/>
@@ -6395,7 +6443,7 @@
       </p:sp>
       <p:sp>
         <p:nvSpPr>
-          <p:cNvPr id="242" name="Shape 242"/>
+          <p:cNvPr id="243" name="Shape 243"/>
           <p:cNvSpPr/>
           <p:nvPr>
             <p:ph type="body" idx="1"/>
@@ -6527,7 +6575,7 @@
       </p:grpSpPr>
       <p:sp>
         <p:nvSpPr>
-          <p:cNvPr id="244" name="Shape 244"/>
+          <p:cNvPr id="245" name="Shape 245"/>
           <p:cNvSpPr/>
           <p:nvPr>
             <p:ph type="title"/>
@@ -6551,7 +6599,7 @@
       </p:sp>
       <p:sp>
         <p:nvSpPr>
-          <p:cNvPr id="245" name="Shape 245"/>
+          <p:cNvPr id="246" name="Shape 246"/>
           <p:cNvSpPr/>
           <p:nvPr>
             <p:ph type="body" idx="1"/>
@@ -6672,7 +6720,7 @@
       </p:grpSpPr>
       <p:sp>
         <p:nvSpPr>
-          <p:cNvPr id="247" name="Shape 247"/>
+          <p:cNvPr id="248" name="Shape 248"/>
           <p:cNvSpPr/>
           <p:nvPr>
             <p:ph type="title"/>
@@ -6700,7 +6748,7 @@
       </p:sp>
       <p:sp>
         <p:nvSpPr>
-          <p:cNvPr id="248" name="Shape 248"/>
+          <p:cNvPr id="249" name="Shape 249"/>
           <p:cNvSpPr/>
           <p:nvPr>
             <p:ph type="body" idx="1"/>
@@ -6756,7 +6804,7 @@
       </p:grpSpPr>
       <p:sp>
         <p:nvSpPr>
-          <p:cNvPr id="250" name="Shape 250"/>
+          <p:cNvPr id="251" name="Shape 251"/>
           <p:cNvSpPr/>
           <p:nvPr>
             <p:ph type="title"/>
@@ -6780,7 +6828,7 @@
       </p:sp>
       <p:pic>
         <p:nvPicPr>
-          <p:cNvPr id="251" name="fluentd-arch.png"/>
+          <p:cNvPr id="252" name="fluentd-arch.png"/>
           <p:cNvPicPr>
             <a:picLocks noChangeAspect="1"/>
           </p:cNvPicPr>
@@ -6835,7 +6883,7 @@
       </p:grpSpPr>
       <p:sp>
         <p:nvSpPr>
-          <p:cNvPr id="253" name="Shape 253"/>
+          <p:cNvPr id="254" name="Shape 254"/>
           <p:cNvSpPr/>
           <p:nvPr>
             <p:ph type="title"/>
@@ -6859,7 +6907,7 @@
       </p:sp>
       <p:sp>
         <p:nvSpPr>
-          <p:cNvPr id="254" name="Shape 254"/>
+          <p:cNvPr id="255" name="Shape 255"/>
           <p:cNvSpPr/>
           <p:nvPr>
             <p:ph type="body" idx="1"/>
@@ -6915,7 +6963,7 @@
       </p:grpSpPr>
       <p:sp>
         <p:nvSpPr>
-          <p:cNvPr id="256" name="Shape 256"/>
+          <p:cNvPr id="257" name="Shape 257"/>
           <p:cNvSpPr/>
           <p:nvPr>
             <p:ph type="title"/>
@@ -6951,7 +6999,7 @@
       </p:sp>
       <p:pic>
         <p:nvPicPr>
-          <p:cNvPr id="257" name="graphite.png"/>
+          <p:cNvPr id="258" name="graphite.png"/>
           <p:cNvPicPr>
             <a:picLocks noChangeAspect="1"/>
           </p:cNvPicPr>
@@ -7006,7 +7054,7 @@
       </p:grpSpPr>
       <p:sp>
         <p:nvSpPr>
-          <p:cNvPr id="259" name="Shape 259"/>
+          <p:cNvPr id="260" name="Shape 260"/>
           <p:cNvSpPr/>
           <p:nvPr>
             <p:ph type="title"/>
@@ -7030,7 +7078,7 @@
       </p:sp>
       <p:sp>
         <p:nvSpPr>
-          <p:cNvPr id="260" name="Shape 260"/>
+          <p:cNvPr id="261" name="Shape 261"/>
           <p:cNvSpPr/>
           <p:nvPr>
             <p:ph type="body" idx="1"/>
@@ -7151,7 +7199,7 @@
       </p:grpSpPr>
       <p:sp>
         <p:nvSpPr>
-          <p:cNvPr id="262" name="Shape 262"/>
+          <p:cNvPr id="263" name="Shape 263"/>
           <p:cNvSpPr/>
           <p:nvPr>
             <p:ph type="title"/>
@@ -7175,7 +7223,7 @@
       </p:sp>
       <p:pic>
         <p:nvPicPr>
-          <p:cNvPr id="263" name="prometheus-arch.png"/>
+          <p:cNvPr id="264" name="prometheus-arch.png"/>
           <p:cNvPicPr>
             <a:picLocks noChangeAspect="1"/>
           </p:cNvPicPr>
@@ -7230,7 +7278,7 @@
       </p:grpSpPr>
       <p:sp>
         <p:nvSpPr>
-          <p:cNvPr id="265" name="Shape 265"/>
+          <p:cNvPr id="266" name="Shape 266"/>
           <p:cNvSpPr/>
           <p:nvPr>
             <p:ph type="title"/>
@@ -7254,7 +7302,7 @@
       </p:sp>
       <p:sp>
         <p:nvSpPr>
-          <p:cNvPr id="266" name="Shape 266"/>
+          <p:cNvPr id="267" name="Shape 267"/>
           <p:cNvSpPr/>
           <p:nvPr>
             <p:ph type="body" idx="1"/>
@@ -7322,7 +7370,7 @@
       </p:grpSpPr>
       <p:sp>
         <p:nvSpPr>
-          <p:cNvPr id="268" name="Shape 268"/>
+          <p:cNvPr id="269" name="Shape 269"/>
           <p:cNvSpPr/>
           <p:nvPr>
             <p:ph type="title"/>
@@ -7346,7 +7394,7 @@
       </p:sp>
       <p:sp>
         <p:nvSpPr>
-          <p:cNvPr id="269" name="Shape 269"/>
+          <p:cNvPr id="270" name="Shape 270"/>
           <p:cNvSpPr/>
           <p:nvPr>
             <p:ph type="body" idx="1"/>
@@ -7512,7 +7560,7 @@
       </p:grpSpPr>
       <p:sp>
         <p:nvSpPr>
-          <p:cNvPr id="271" name="Shape 271"/>
+          <p:cNvPr id="272" name="Shape 272"/>
           <p:cNvSpPr/>
           <p:nvPr>
             <p:ph type="title"/>
@@ -7536,7 +7584,7 @@
       </p:sp>
       <p:sp>
         <p:nvSpPr>
-          <p:cNvPr id="272" name="Shape 272"/>
+          <p:cNvPr id="273" name="Shape 273"/>
           <p:cNvSpPr/>
           <p:nvPr>
             <p:ph type="body" idx="1"/>
@@ -7604,7 +7652,7 @@
       </p:grpSpPr>
       <p:sp>
         <p:nvSpPr>
-          <p:cNvPr id="274" name="Shape 274"/>
+          <p:cNvPr id="275" name="Shape 275"/>
           <p:cNvSpPr/>
           <p:nvPr>
             <p:ph type="title"/>
@@ -7628,7 +7676,7 @@
       </p:sp>
       <p:sp>
         <p:nvSpPr>
-          <p:cNvPr id="275" name="Shape 275"/>
+          <p:cNvPr id="276" name="Shape 276"/>
           <p:cNvSpPr/>
           <p:nvPr>
             <p:ph type="body" idx="1"/>
@@ -7690,7 +7738,7 @@
       </p:grpSpPr>
       <p:sp>
         <p:nvSpPr>
-          <p:cNvPr id="277" name="Shape 277"/>
+          <p:cNvPr id="278" name="Shape 278"/>
           <p:cNvSpPr/>
           <p:nvPr>
             <p:ph type="title"/>
@@ -7714,7 +7762,7 @@
       </p:sp>
       <p:sp>
         <p:nvSpPr>
-          <p:cNvPr id="278" name="Shape 278"/>
+          <p:cNvPr id="279" name="Shape 279"/>
           <p:cNvSpPr/>
           <p:nvPr>
             <p:ph type="body" idx="1"/>
@@ -7893,7 +7941,7 @@
       </p:grpSpPr>
       <p:sp>
         <p:nvSpPr>
-          <p:cNvPr id="280" name="Shape 280"/>
+          <p:cNvPr id="281" name="Shape 281"/>
           <p:cNvSpPr/>
           <p:nvPr>
             <p:ph type="title"/>
@@ -7917,7 +7965,7 @@
       </p:sp>
       <p:sp>
         <p:nvSpPr>
-          <p:cNvPr id="281" name="Shape 281"/>
+          <p:cNvPr id="282" name="Shape 282"/>
           <p:cNvSpPr/>
           <p:nvPr>
             <p:ph type="body" idx="1"/>
@@ -7985,7 +8033,7 @@
       </p:grpSpPr>
       <p:sp>
         <p:nvSpPr>
-          <p:cNvPr id="283" name="Shape 283"/>
+          <p:cNvPr id="284" name="Shape 284"/>
           <p:cNvSpPr/>
           <p:nvPr>
             <p:ph type="title"/>
@@ -8009,7 +8057,7 @@
       </p:sp>
       <p:sp>
         <p:nvSpPr>
-          <p:cNvPr id="284" name="Shape 284"/>
+          <p:cNvPr id="285" name="Shape 285"/>
           <p:cNvSpPr/>
           <p:nvPr>
             <p:ph type="body" idx="1"/>
@@ -8083,13 +8131,17 @@
       </p:grpSpPr>
       <p:sp>
         <p:nvSpPr>
-          <p:cNvPr id="286" name="Shape 286"/>
+          <p:cNvPr id="287" name="Shape 287"/>
           <p:cNvSpPr/>
           <p:nvPr>
             <p:ph type="title"/>
           </p:nvPr>
         </p:nvSpPr>
         <p:spPr>
+          <a:xfrm>
+            <a:off x="952500" y="63500"/>
+            <a:ext cx="11099800" cy="2159000"/>
+          </a:xfrm>
           <a:prstGeom prst="rect">
             <a:avLst/>
           </a:prstGeom>
@@ -8111,7 +8163,7 @@
       </p:sp>
       <p:pic>
         <p:nvPicPr>
-          <p:cNvPr id="287" name="ci-snapshot-5.png"/>
+          <p:cNvPr id="288" name="ci-snapshot-docker-overview.png"/>
           <p:cNvPicPr>
             <a:picLocks noChangeAspect="1"/>
           </p:cNvPicPr>
@@ -8127,8 +8179,8 @@
         </p:blipFill>
         <p:spPr>
           <a:xfrm>
-            <a:off x="0" y="2835126"/>
-            <a:ext cx="13004800" cy="6953548"/>
+            <a:off x="0" y="2164874"/>
+            <a:ext cx="13004800" cy="7608252"/>
           </a:xfrm>
           <a:prstGeom prst="rect">
             <a:avLst/>
@@ -8166,7 +8218,7 @@
       </p:grpSpPr>
       <p:pic>
         <p:nvPicPr>
-          <p:cNvPr id="289" name="ci-snapshot-6.png"/>
+          <p:cNvPr id="290" name="ci-snapshot-6.png"/>
           <p:cNvPicPr>
             <a:picLocks noChangeAspect="1"/>
           </p:cNvPicPr>
@@ -8221,7 +8273,7 @@
       </p:grpSpPr>
       <p:sp>
         <p:nvSpPr>
-          <p:cNvPr id="291" name="Shape 291"/>
+          <p:cNvPr id="292" name="Shape 292"/>
           <p:cNvSpPr/>
           <p:nvPr>
             <p:ph type="title"/>
@@ -8253,7 +8305,7 @@
       </p:sp>
       <p:pic>
         <p:nvPicPr>
-          <p:cNvPr id="292" name="ci-snapshot-7.png"/>
+          <p:cNvPr id="293" name="ci-snapshot-graph-share.png"/>
           <p:cNvPicPr>
             <a:picLocks noChangeAspect="1"/>
           </p:cNvPicPr>
@@ -8269,8 +8321,8 @@
         </p:blipFill>
         <p:spPr>
           <a:xfrm>
-            <a:off x="603250" y="1289050"/>
-            <a:ext cx="11798300" cy="8470900"/>
+            <a:off x="762000" y="1504950"/>
+            <a:ext cx="11480800" cy="8470900"/>
           </a:xfrm>
           <a:prstGeom prst="rect">
             <a:avLst/>
@@ -8308,7 +8360,7 @@
       </p:grpSpPr>
       <p:sp>
         <p:nvSpPr>
-          <p:cNvPr id="294" name="Shape 294"/>
+          <p:cNvPr id="295" name="Shape 295"/>
           <p:cNvSpPr/>
           <p:nvPr>
             <p:ph type="title"/>
@@ -8340,7 +8392,7 @@
       </p:sp>
       <p:pic>
         <p:nvPicPr>
-          <p:cNvPr id="295" name="ci-snapshot-8.png"/>
+          <p:cNvPr id="296" name="ci-snapshot-8.png"/>
           <p:cNvPicPr>
             <a:picLocks noChangeAspect="1"/>
           </p:cNvPicPr>
@@ -8395,7 +8447,7 @@
       </p:grpSpPr>
       <p:sp>
         <p:nvSpPr>
-          <p:cNvPr id="297" name="Shape 297"/>
+          <p:cNvPr id="298" name="Shape 298"/>
           <p:cNvSpPr/>
           <p:nvPr>
             <p:ph type="title"/>
@@ -8423,7 +8475,7 @@
       </p:sp>
       <p:pic>
         <p:nvPicPr>
-          <p:cNvPr id="298" name="ci-snapshot-9.png"/>
+          <p:cNvPr id="299" name="ci-snapshot-9.png"/>
           <p:cNvPicPr>
             <a:picLocks noChangeAspect="1"/>
           </p:cNvPicPr>
@@ -8570,7 +8622,7 @@
       </p:grpSpPr>
       <p:sp>
         <p:nvSpPr>
-          <p:cNvPr id="300" name="Shape 300"/>
+          <p:cNvPr id="301" name="Shape 301"/>
           <p:cNvSpPr/>
           <p:nvPr>
             <p:ph type="title"/>
@@ -8602,7 +8654,7 @@
       </p:sp>
       <p:pic>
         <p:nvPicPr>
-          <p:cNvPr id="301" name="ci-snapshot-10.png"/>
+          <p:cNvPr id="302" name="ci-snapshot-10.png"/>
           <p:cNvPicPr>
             <a:picLocks noChangeAspect="1"/>
           </p:cNvPicPr>
@@ -8657,7 +8709,7 @@
       </p:grpSpPr>
       <p:pic>
         <p:nvPicPr>
-          <p:cNvPr id="303" name="ci-snapshot-11.png"/>
+          <p:cNvPr id="304" name="ci-snapshot-11.png"/>
           <p:cNvPicPr>
             <a:picLocks noChangeAspect="1"/>
           </p:cNvPicPr>
@@ -8686,7 +8738,7 @@
       </p:pic>
       <p:pic>
         <p:nvPicPr>
-          <p:cNvPr id="304" name="ci-snapshot-12.png"/>
+          <p:cNvPr id="305" name="ci-snapshot-12.png"/>
           <p:cNvPicPr>
             <a:picLocks noChangeAspect="1"/>
           </p:cNvPicPr>
@@ -8715,7 +8767,7 @@
       </p:pic>
       <p:pic>
         <p:nvPicPr>
-          <p:cNvPr id="305" name="ci-snapshot-13.png"/>
+          <p:cNvPr id="306" name="ci-snapshot-13.png"/>
           <p:cNvPicPr>
             <a:picLocks noChangeAspect="1"/>
           </p:cNvPicPr>
@@ -8770,7 +8822,7 @@
       </p:grpSpPr>
       <p:sp>
         <p:nvSpPr>
-          <p:cNvPr id="307" name="Shape 307"/>
+          <p:cNvPr id="308" name="Shape 308"/>
           <p:cNvSpPr/>
           <p:nvPr>
             <p:ph type="title"/>
@@ -8794,7 +8846,7 @@
       </p:sp>
       <p:sp>
         <p:nvSpPr>
-          <p:cNvPr id="308" name="Shape 308"/>
+          <p:cNvPr id="309" name="Shape 309"/>
           <p:cNvSpPr/>
           <p:nvPr>
             <p:ph type="body" idx="1"/>
@@ -8856,7 +8908,7 @@
       </p:grpSpPr>
       <p:sp>
         <p:nvSpPr>
-          <p:cNvPr id="310" name="Shape 310"/>
+          <p:cNvPr id="311" name="Shape 311"/>
           <p:cNvSpPr/>
           <p:nvPr>
             <p:ph type="title"/>
@@ -8880,7 +8932,7 @@
       </p:sp>
       <p:sp>
         <p:nvSpPr>
-          <p:cNvPr id="311" name="Shape 311"/>
+          <p:cNvPr id="312" name="Shape 312"/>
           <p:cNvSpPr/>
           <p:nvPr>
             <p:ph type="body" idx="1"/>
@@ -8948,7 +9000,7 @@
       </p:grpSpPr>
       <p:sp>
         <p:nvSpPr>
-          <p:cNvPr id="313" name="Shape 313"/>
+          <p:cNvPr id="314" name="Shape 314"/>
           <p:cNvSpPr/>
           <p:nvPr>
             <p:ph type="title"/>
@@ -8972,7 +9024,7 @@
       </p:sp>
       <p:sp>
         <p:nvSpPr>
-          <p:cNvPr id="314" name="Shape 314"/>
+          <p:cNvPr id="315" name="Shape 315"/>
           <p:cNvSpPr/>
           <p:nvPr>
             <p:ph type="body" sz="quarter" idx="1"/>
@@ -9027,7 +9079,7 @@
       </p:sp>
       <p:pic>
         <p:nvPicPr>
-          <p:cNvPr id="315" name="atsd.png"/>
+          <p:cNvPr id="316" name="atsd.png"/>
           <p:cNvPicPr>
             <a:picLocks noChangeAspect="1"/>
           </p:cNvPicPr>
@@ -9082,7 +9134,7 @@
       </p:grpSpPr>
       <p:sp>
         <p:nvSpPr>
-          <p:cNvPr id="317" name="Shape 317"/>
+          <p:cNvPr id="318" name="Shape 318"/>
           <p:cNvSpPr/>
           <p:nvPr>
             <p:ph type="title"/>
@@ -9106,7 +9158,7 @@
       </p:sp>
       <p:sp>
         <p:nvSpPr>
-          <p:cNvPr id="318" name="Shape 318"/>
+          <p:cNvPr id="319" name="Shape 319"/>
           <p:cNvSpPr/>
           <p:nvPr>
             <p:ph type="body" idx="1"/>
@@ -9174,7 +9226,7 @@
       </p:grpSpPr>
       <p:sp>
         <p:nvSpPr>
-          <p:cNvPr id="320" name="Shape 320"/>
+          <p:cNvPr id="321" name="Shape 321"/>
           <p:cNvSpPr/>
           <p:nvPr>
             <p:ph type="title"/>
@@ -9198,7 +9250,7 @@
       </p:sp>
       <p:sp>
         <p:nvSpPr>
-          <p:cNvPr id="321" name="Shape 321"/>
+          <p:cNvPr id="322" name="Shape 322"/>
           <p:cNvSpPr/>
           <p:nvPr>
             <p:ph type="body" idx="1"/>
@@ -9233,7 +9285,7 @@
           <a:p>
             <a:pPr/>
             <a:r>
-              <a:t>一体化</a:t>
+              <a:t>Total解决方案</a:t>
             </a:r>
           </a:p>
         </p:txBody>
@@ -9266,7 +9318,7 @@
       </p:grpSpPr>
       <p:sp>
         <p:nvSpPr>
-          <p:cNvPr id="323" name="Shape 323"/>
+          <p:cNvPr id="324" name="Shape 324"/>
           <p:cNvSpPr/>
           <p:nvPr>
             <p:ph type="title"/>
@@ -9290,7 +9342,7 @@
       </p:sp>
       <p:sp>
         <p:nvSpPr>
-          <p:cNvPr id="324" name="Shape 324"/>
+          <p:cNvPr id="325" name="Shape 325"/>
           <p:cNvSpPr/>
           <p:nvPr>
             <p:ph type="body" idx="1"/>
@@ -9374,7 +9426,7 @@
       </p:grpSpPr>
       <p:sp>
         <p:nvSpPr>
-          <p:cNvPr id="326" name="Shape 326"/>
+          <p:cNvPr id="327" name="Shape 327"/>
           <p:cNvSpPr/>
           <p:nvPr>
             <p:ph type="title"/>
@@ -9398,7 +9450,7 @@
       </p:sp>
       <p:pic>
         <p:nvPicPr>
-          <p:cNvPr id="327" name="qrcode-for-ci.jpg"/>
+          <p:cNvPr id="328" name="qrcode-for-ci.jpg"/>
           <p:cNvPicPr>
             <a:picLocks noChangeAspect="1"/>
           </p:cNvPicPr>
@@ -9492,102 +9544,80 @@
           <a:bodyPr/>
           <a:lstStyle/>
           <a:p>
-            <a:pPr marL="248920" indent="-248920" defTabSz="327152">
+            <a:pPr marL="337820" indent="-337820" defTabSz="443991">
               <a:spcBef>
-                <a:spcPts val="2300"/>
+                <a:spcPts val="3100"/>
               </a:spcBef>
-              <a:defRPr sz="2128"/>
+              <a:defRPr sz="2888"/>
             </a:pPr>
             <a:r>
-              <a:t>Docker特点</a:t>
-            </a:r>
-          </a:p>
-          <a:p>
-            <a:pPr marL="248920" indent="-248920" defTabSz="327152">
+              <a:t>Docker像host但不是host</a:t>
+            </a:r>
+          </a:p>
+          <a:p>
+            <a:pPr marL="337820" indent="-337820" defTabSz="443991">
               <a:spcBef>
-                <a:spcPts val="2300"/>
+                <a:spcPts val="3100"/>
               </a:spcBef>
-              <a:defRPr sz="2128"/>
+              <a:defRPr sz="2888"/>
             </a:pPr>
             <a:r>
-              <a:t>像host但不是host</a:t>
-            </a:r>
-          </a:p>
-          <a:p>
-            <a:pPr marL="248920" indent="-248920" defTabSz="327152">
+              <a:t>量大容器</a:t>
+            </a:r>
+          </a:p>
+          <a:p>
+            <a:pPr marL="337820" indent="-337820" defTabSz="443991">
               <a:spcBef>
-                <a:spcPts val="2300"/>
+                <a:spcPts val="3100"/>
               </a:spcBef>
-              <a:defRPr sz="2128"/>
+              <a:defRPr sz="2888"/>
             </a:pPr>
             <a:r>
-              <a:t>量大</a:t>
-            </a:r>
-          </a:p>
-          <a:p>
-            <a:pPr marL="248920" indent="-248920" defTabSz="327152">
+              <a:t>生命周期短</a:t>
+            </a:r>
+          </a:p>
+          <a:p>
+            <a:pPr marL="337820" indent="-337820" defTabSz="443991">
               <a:spcBef>
-                <a:spcPts val="2300"/>
+                <a:spcPts val="3100"/>
               </a:spcBef>
-              <a:defRPr sz="2128"/>
+              <a:defRPr sz="2888"/>
             </a:pPr>
             <a:r>
-              <a:t>生命周期短</a:t>
-            </a:r>
-          </a:p>
-          <a:p>
-            <a:pPr marL="248920" indent="-248920" defTabSz="327152">
+              <a:t>监控盲点（断层）</a:t>
+            </a:r>
+          </a:p>
+          <a:p>
+            <a:pPr marL="337820" indent="-337820" defTabSz="443991">
               <a:spcBef>
-                <a:spcPts val="2300"/>
+                <a:spcPts val="3100"/>
               </a:spcBef>
-              <a:defRPr sz="2128"/>
+              <a:defRPr sz="2888"/>
             </a:pPr>
             <a:r>
-              <a:t>监控盲点（断层）</a:t>
-            </a:r>
-          </a:p>
-          <a:p>
-            <a:pPr marL="248920" indent="-248920" defTabSz="327152">
+              <a:t>微服务</a:t>
+            </a:r>
+          </a:p>
+          <a:p>
+            <a:pPr marL="337820" indent="-337820" defTabSz="443991">
               <a:spcBef>
-                <a:spcPts val="2300"/>
+                <a:spcPts val="3100"/>
               </a:spcBef>
-              <a:defRPr sz="2128"/>
+              <a:defRPr sz="2888"/>
             </a:pPr>
             <a:r>
-              <a:t>微服务</a:t>
-            </a:r>
-          </a:p>
-          <a:p>
-            <a:pPr marL="248920" indent="-248920" defTabSz="327152">
+              <a:t>集群</a:t>
+            </a:r>
+          </a:p>
+          <a:p>
+            <a:pPr marL="337820" indent="-337820" defTabSz="443991">
               <a:spcBef>
-                <a:spcPts val="2300"/>
+                <a:spcPts val="3100"/>
               </a:spcBef>
-              <a:defRPr sz="2128"/>
+              <a:defRPr sz="2888"/>
             </a:pPr>
             <a:r>
-              <a:t>集群</a:t>
-            </a:r>
-          </a:p>
-          <a:p>
-            <a:pPr marL="248920" indent="-248920" defTabSz="327152">
-              <a:spcBef>
-                <a:spcPts val="2300"/>
-              </a:spcBef>
-              <a:defRPr sz="2128"/>
-            </a:pPr>
-            <a:r>
-              <a:t>全方位</a:t>
-            </a:r>
-          </a:p>
-          <a:p>
-            <a:pPr marL="248920" indent="-248920" defTabSz="327152">
-              <a:spcBef>
-                <a:spcPts val="2300"/>
-              </a:spcBef>
-              <a:defRPr sz="2128"/>
-            </a:pPr>
-            <a:r>
-              <a:t>Host（VM） &gt; Services &gt; Containers &gt; Apps</a:t>
+              <a:t>全方位：Host（VM） + Services + Containers + Apps</a:t>
             </a:r>
           </a:p>
         </p:txBody>
